--- a/man/designsparkの導入.pptx
+++ b/man/designsparkの導入.pptx
@@ -116,6 +116,11 @@
       </a:defRPr>
     </a:lvl9pPr>
   </p:defaultTextStyle>
+  <p:extLst>
+    <p:ext uri="{EFAFB233-063F-42B5-8137-9DF3F51BA10A}">
+      <p15:sldGuideLst xmlns:p15="http://schemas.microsoft.com/office/powerpoint/2012/main"/>
+    </p:ext>
+  </p:extLst>
 </p:presentation>
 </file>
 
@@ -3279,6 +3284,29 @@
           <a:bodyPr/>
           <a:lstStyle/>
           <a:p>
+            <a:r>
+              <a:rPr kumimoji="1" lang="en-US" altLang="ja-JP" dirty="0" err="1" smtClean="0"/>
+              <a:t>DesignSpark</a:t>
+            </a:r>
+            <a:r>
+              <a:rPr kumimoji="1" lang="en-US" altLang="ja-JP" dirty="0" smtClean="0"/>
+              <a:t> PCB</a:t>
+            </a:r>
+            <a:r>
+              <a:rPr kumimoji="1" lang="ja-JP" altLang="en-US" dirty="0" smtClean="0"/>
+              <a:t>の導入と</a:t>
+            </a:r>
+            <a:r>
+              <a:rPr kumimoji="1" lang="en-US" altLang="ja-JP" dirty="0" smtClean="0"/>
+              <a:t/>
+            </a:r>
+            <a:br>
+              <a:rPr kumimoji="1" lang="en-US" altLang="ja-JP" dirty="0" smtClean="0"/>
+            </a:br>
+            <a:r>
+              <a:rPr kumimoji="1" lang="ja-JP" altLang="en-US" dirty="0" smtClean="0"/>
+              <a:t>部品ライブラリの適用</a:t>
+            </a:r>
             <a:endParaRPr kumimoji="1" lang="ja-JP" altLang="en-US" dirty="0"/>
           </a:p>
         </p:txBody>
@@ -3298,7 +3326,15 @@
           <a:bodyPr/>
           <a:lstStyle/>
           <a:p>
-            <a:endParaRPr kumimoji="1" lang="ja-JP" altLang="en-US"/>
+            <a:r>
+              <a:rPr lang="en-US" altLang="ja-JP" dirty="0" smtClean="0"/>
+              <a:t>2014</a:t>
+            </a:r>
+            <a:r>
+              <a:rPr lang="ja-JP" altLang="en-US" dirty="0" smtClean="0"/>
+              <a:t>年度プログラム班　草地　嵩</a:t>
+            </a:r>
+            <a:endParaRPr kumimoji="1" lang="ja-JP" altLang="en-US" dirty="0"/>
           </a:p>
         </p:txBody>
       </p:sp>
@@ -3312,6 +3348,13 @@
   <p:clrMapOvr>
     <a:masterClrMapping/>
   </p:clrMapOvr>
+  <p:timing>
+    <p:tnLst>
+      <p:par>
+        <p:cTn id="1" dur="indefinite" restart="never" nodeType="tmRoot"/>
+      </p:par>
+    </p:tnLst>
+  </p:timing>
 </p:sld>
 </file>
 
@@ -3347,7 +3390,11 @@
           <a:bodyPr/>
           <a:lstStyle/>
           <a:p>
-            <a:endParaRPr kumimoji="1" lang="ja-JP" altLang="en-US"/>
+            <a:r>
+              <a:rPr lang="ja-JP" altLang="en-US" dirty="0"/>
+              <a:t>ライブラリの登録作業</a:t>
+            </a:r>
+            <a:endParaRPr kumimoji="1" lang="ja-JP" altLang="en-US" dirty="0"/>
           </a:p>
         </p:txBody>
       </p:sp>
@@ -3491,6 +3538,13 @@
   <p:clrMapOvr>
     <a:masterClrMapping/>
   </p:clrMapOvr>
+  <p:timing>
+    <p:tnLst>
+      <p:par>
+        <p:cTn id="1" dur="indefinite" restart="never" nodeType="tmRoot"/>
+      </p:par>
+    </p:tnLst>
+  </p:timing>
 </p:sld>
 </file>
 
@@ -3526,7 +3580,11 @@
           <a:bodyPr/>
           <a:lstStyle/>
           <a:p>
-            <a:endParaRPr kumimoji="1" lang="ja-JP" altLang="en-US"/>
+            <a:r>
+              <a:rPr lang="ja-JP" altLang="en-US" dirty="0"/>
+              <a:t>ライブラリの登録作業</a:t>
+            </a:r>
+            <a:endParaRPr kumimoji="1" lang="ja-JP" altLang="en-US" dirty="0"/>
           </a:p>
         </p:txBody>
       </p:sp>
@@ -3590,6 +3648,13 @@
   <p:clrMapOvr>
     <a:masterClrMapping/>
   </p:clrMapOvr>
+  <p:timing>
+    <p:tnLst>
+      <p:par>
+        <p:cTn id="1" dur="indefinite" restart="never" nodeType="tmRoot"/>
+      </p:par>
+    </p:tnLst>
+  </p:timing>
 </p:sld>
 </file>
 
@@ -3789,6 +3854,13 @@
   <p:clrMapOvr>
     <a:masterClrMapping/>
   </p:clrMapOvr>
+  <p:timing>
+    <p:tnLst>
+      <p:par>
+        <p:cTn id="1" dur="indefinite" restart="never" nodeType="tmRoot"/>
+      </p:par>
+    </p:tnLst>
+  </p:timing>
 </p:sld>
 </file>
 
@@ -3824,7 +3896,19 @@
           <a:bodyPr/>
           <a:lstStyle/>
           <a:p>
-            <a:endParaRPr kumimoji="1" lang="ja-JP" altLang="en-US"/>
+            <a:r>
+              <a:rPr lang="ja-JP" altLang="en-US" dirty="0"/>
+              <a:t>ライブラリの登録</a:t>
+            </a:r>
+            <a:r>
+              <a:rPr lang="ja-JP" altLang="en-US" dirty="0" smtClean="0"/>
+              <a:t>作業　</a:t>
+            </a:r>
+            <a:r>
+              <a:rPr lang="ja-JP" altLang="en-US" dirty="0"/>
+              <a:t>確認</a:t>
+            </a:r>
+            <a:endParaRPr kumimoji="1" lang="ja-JP" altLang="en-US" dirty="0"/>
           </a:p>
         </p:txBody>
       </p:sp>
@@ -3863,6 +3947,13 @@
   <p:clrMapOvr>
     <a:masterClrMapping/>
   </p:clrMapOvr>
+  <p:timing>
+    <p:tnLst>
+      <p:par>
+        <p:cTn id="1" dur="indefinite" restart="never" nodeType="tmRoot"/>
+      </p:par>
+    </p:tnLst>
+  </p:timing>
 </p:sld>
 </file>
 
@@ -3933,16 +4024,39 @@
               </a:rPr>
               <a:t>www.rs-online.com/designspark/pcb-software</a:t>
             </a:r>
+            <a:r>
+              <a:rPr lang="en-US" altLang="ja-JP" dirty="0"/>
+              <a:t/>
+            </a:r>
+            <a:br>
+              <a:rPr lang="en-US" altLang="ja-JP" dirty="0"/>
+            </a:br>
+            <a:r>
+              <a:rPr lang="ja-JP" altLang="en-US" dirty="0" smtClean="0"/>
+              <a:t>に</a:t>
+            </a:r>
+            <a:r>
+              <a:rPr lang="ja-JP" altLang="en-US" dirty="0" smtClean="0"/>
+              <a:t>アクセス</a:t>
+            </a:r>
             <a:endParaRPr lang="en-US" altLang="ja-JP" dirty="0" smtClean="0"/>
           </a:p>
           <a:p>
+            <a:endParaRPr kumimoji="1" lang="en-US" altLang="ja-JP" dirty="0" smtClean="0"/>
+          </a:p>
+          <a:p>
             <a:r>
               <a:rPr lang="ja-JP" altLang="en-US" dirty="0" smtClean="0"/>
-              <a:t>にアクセス</a:t>
-            </a:r>
-            <a:endParaRPr lang="en-US" altLang="ja-JP" dirty="0" smtClean="0"/>
-          </a:p>
-          <a:p>
+              <a:t>「</a:t>
+            </a:r>
+            <a:r>
+              <a:rPr lang="en-US" altLang="ja-JP" dirty="0" smtClean="0"/>
+              <a:t>Design Spark PCB</a:t>
+            </a:r>
+            <a:r>
+              <a:rPr lang="ja-JP" altLang="en-US" dirty="0" smtClean="0"/>
+              <a:t>」とググっても出てくると思う。</a:t>
+            </a:r>
             <a:endParaRPr kumimoji="1" lang="en-US" altLang="ja-JP" dirty="0" smtClean="0"/>
           </a:p>
         </p:txBody>
@@ -3957,6 +4071,13 @@
   <p:clrMapOvr>
     <a:masterClrMapping/>
   </p:clrMapOvr>
+  <p:timing>
+    <p:tnLst>
+      <p:par>
+        <p:cTn id="1" dur="indefinite" restart="never" nodeType="tmRoot"/>
+      </p:par>
+    </p:tnLst>
+  </p:timing>
 </p:sld>
 </file>
 
@@ -4025,7 +4146,18 @@
           <a:p>
             <a:r>
               <a:rPr lang="ja-JP" altLang="en-US" dirty="0" smtClean="0"/>
-              <a:t>すべてデフォルト設定で問題ありません</a:t>
+              <a:t>すべてデフォルト設定で問題</a:t>
+            </a:r>
+            <a:r>
+              <a:rPr lang="ja-JP" altLang="en-US" dirty="0" smtClean="0"/>
+              <a:t>ありません。</a:t>
+            </a:r>
+            <a:endParaRPr lang="en-US" altLang="ja-JP" dirty="0" smtClean="0"/>
+          </a:p>
+          <a:p>
+            <a:r>
+              <a:rPr kumimoji="1" lang="ja-JP" altLang="en-US" dirty="0" smtClean="0"/>
+              <a:t>とりあえずすべてイエス。</a:t>
             </a:r>
             <a:endParaRPr kumimoji="1" lang="ja-JP" altLang="en-US" dirty="0"/>
           </a:p>
@@ -4041,6 +4173,13 @@
   <p:clrMapOvr>
     <a:masterClrMapping/>
   </p:clrMapOvr>
+  <p:timing>
+    <p:tnLst>
+      <p:par>
+        <p:cTn id="1" dur="indefinite" restart="never" nodeType="tmRoot"/>
+      </p:par>
+    </p:tnLst>
+  </p:timing>
 </p:sld>
 </file>
 
@@ -4100,6 +4239,18 @@
           <a:bodyPr/>
           <a:lstStyle/>
           <a:p>
+            <a:r>
+              <a:rPr lang="en-US" altLang="ja-JP" dirty="0" err="1"/>
+              <a:t>DesignSparkPCB</a:t>
+            </a:r>
+            <a:r>
+              <a:rPr lang="en-US" altLang="ja-JP" dirty="0"/>
+              <a:t> v8.1</a:t>
+            </a:r>
+            <a:r>
+              <a:rPr lang="ja-JP" altLang="en-US" dirty="0"/>
+              <a:t>のインストール</a:t>
+            </a:r>
             <a:endParaRPr kumimoji="1" lang="ja-JP" altLang="en-US" dirty="0"/>
           </a:p>
         </p:txBody>
@@ -4124,6 +4275,61 @@
           <a:bodyPr/>
           <a:lstStyle/>
           <a:p>
+            <a:r>
+              <a:rPr kumimoji="1" lang="ja-JP" altLang="en-US" dirty="0" smtClean="0"/>
+              <a:t>ユーザー名と</a:t>
+            </a:r>
+            <a:r>
+              <a:rPr kumimoji="1" lang="en-US" altLang="ja-JP" dirty="0" smtClean="0"/>
+              <a:t>Company Name</a:t>
+            </a:r>
+            <a:r>
+              <a:rPr kumimoji="1" lang="ja-JP" altLang="en-US" dirty="0" smtClean="0"/>
+              <a:t>は適当に</a:t>
+            </a:r>
+            <a:endParaRPr kumimoji="1" lang="en-US" altLang="ja-JP" dirty="0" smtClean="0"/>
+          </a:p>
+          <a:p>
+            <a:endParaRPr lang="en-US" altLang="ja-JP" dirty="0"/>
+          </a:p>
+          <a:p>
+            <a:r>
+              <a:rPr kumimoji="1" lang="en-US" altLang="ja-JP" dirty="0" err="1" smtClean="0"/>
+              <a:t>Kogakuin</a:t>
+            </a:r>
+            <a:r>
+              <a:rPr kumimoji="1" lang="en-US" altLang="ja-JP" dirty="0" smtClean="0"/>
+              <a:t> Univ.</a:t>
+            </a:r>
+            <a:br>
+              <a:rPr kumimoji="1" lang="en-US" altLang="ja-JP" dirty="0" smtClean="0"/>
+            </a:br>
+            <a:r>
+              <a:rPr kumimoji="1" lang="ja-JP" altLang="en-US" dirty="0" smtClean="0"/>
+              <a:t>とか</a:t>
+            </a:r>
+            <a:endParaRPr kumimoji="1" lang="en-US" altLang="ja-JP" dirty="0" smtClean="0"/>
+          </a:p>
+          <a:p>
+            <a:r>
+              <a:rPr lang="en-US" altLang="ja-JP" dirty="0" err="1" smtClean="0"/>
+              <a:t>Kogakuin</a:t>
+            </a:r>
+            <a:r>
+              <a:rPr lang="en-US" altLang="ja-JP" dirty="0" smtClean="0"/>
+              <a:t> Robot Project</a:t>
+            </a:r>
+            <a:br>
+              <a:rPr lang="en-US" altLang="ja-JP" dirty="0" smtClean="0"/>
+            </a:br>
+            <a:r>
+              <a:rPr kumimoji="1" lang="ja-JP" altLang="en-US" dirty="0" smtClean="0"/>
+              <a:t>と</a:t>
+            </a:r>
+            <a:r>
+              <a:rPr kumimoji="1" lang="ja-JP" altLang="en-US" dirty="0"/>
+              <a:t>か</a:t>
+            </a:r>
             <a:endParaRPr kumimoji="1" lang="ja-JP" altLang="en-US" dirty="0"/>
           </a:p>
         </p:txBody>
@@ -4138,6 +4344,13 @@
   <p:clrMapOvr>
     <a:masterClrMapping/>
   </p:clrMapOvr>
+  <p:timing>
+    <p:tnLst>
+      <p:par>
+        <p:cTn id="1" dur="indefinite" restart="never" nodeType="tmRoot"/>
+      </p:par>
+    </p:tnLst>
+  </p:timing>
 </p:sld>
 </file>
 
@@ -4173,7 +4386,19 @@
           <a:bodyPr/>
           <a:lstStyle/>
           <a:p>
-            <a:endParaRPr kumimoji="1" lang="ja-JP" altLang="en-US"/>
+            <a:r>
+              <a:rPr lang="en-US" altLang="ja-JP" dirty="0" err="1"/>
+              <a:t>DesignSparkPCB</a:t>
+            </a:r>
+            <a:r>
+              <a:rPr lang="en-US" altLang="ja-JP" dirty="0"/>
+              <a:t> v8.1</a:t>
+            </a:r>
+            <a:r>
+              <a:rPr lang="ja-JP" altLang="en-US" dirty="0"/>
+              <a:t>のインストール</a:t>
+            </a:r>
+            <a:endParaRPr kumimoji="1" lang="ja-JP" altLang="en-US" dirty="0"/>
           </a:p>
         </p:txBody>
       </p:sp>
@@ -4197,6 +4422,17 @@
           <a:bodyPr/>
           <a:lstStyle/>
           <a:p>
+            <a:r>
+              <a:rPr lang="ja-JP" altLang="en-US" dirty="0" smtClean="0"/>
+              <a:t>インストール位置確認</a:t>
+            </a:r>
+            <a:endParaRPr lang="en-US" altLang="ja-JP" dirty="0" smtClean="0"/>
+          </a:p>
+          <a:p>
+            <a:r>
+              <a:rPr kumimoji="1" lang="ja-JP" altLang="en-US" dirty="0" smtClean="0"/>
+              <a:t>デフォルトだとこのような感じになると思います。</a:t>
+            </a:r>
             <a:endParaRPr kumimoji="1" lang="en-US" altLang="ja-JP" dirty="0" smtClean="0"/>
           </a:p>
         </p:txBody>
@@ -4235,6 +4471,13 @@
   <p:clrMapOvr>
     <a:masterClrMapping/>
   </p:clrMapOvr>
+  <p:timing>
+    <p:tnLst>
+      <p:par>
+        <p:cTn id="1" dur="indefinite" restart="never" nodeType="tmRoot"/>
+      </p:par>
+    </p:tnLst>
+  </p:timing>
 </p:sld>
 </file>
 
@@ -4270,7 +4513,11 @@
           <a:bodyPr/>
           <a:lstStyle/>
           <a:p>
-            <a:endParaRPr kumimoji="1" lang="ja-JP" altLang="en-US"/>
+            <a:r>
+              <a:rPr kumimoji="1" lang="ja-JP" altLang="en-US" dirty="0" smtClean="0"/>
+              <a:t>インストール後　初回起動</a:t>
+            </a:r>
+            <a:endParaRPr kumimoji="1" lang="ja-JP" altLang="en-US" dirty="0"/>
           </a:p>
         </p:txBody>
       </p:sp>
@@ -4296,7 +4543,21 @@
           <a:p>
             <a:r>
               <a:rPr kumimoji="1" lang="ja-JP" altLang="en-US" dirty="0" smtClean="0"/>
-              <a:t>適当にアカウント作ってログイン</a:t>
+              <a:t>適当にアカウント作って</a:t>
+            </a:r>
+            <a:r>
+              <a:rPr kumimoji="1" lang="ja-JP" altLang="en-US" dirty="0" smtClean="0"/>
+              <a:t>ログイン</a:t>
+            </a:r>
+            <a:endParaRPr kumimoji="1" lang="en-US" altLang="ja-JP" dirty="0" smtClean="0"/>
+          </a:p>
+          <a:p>
+            <a:endParaRPr lang="en-US" altLang="ja-JP" dirty="0"/>
+          </a:p>
+          <a:p>
+            <a:r>
+              <a:rPr kumimoji="1" lang="ja-JP" altLang="en-US" dirty="0" smtClean="0"/>
+              <a:t>よろしく</a:t>
             </a:r>
             <a:endParaRPr kumimoji="1" lang="ja-JP" altLang="en-US" dirty="0"/>
           </a:p>
@@ -4336,6 +4597,13 @@
   <p:clrMapOvr>
     <a:masterClrMapping/>
   </p:clrMapOvr>
+  <p:timing>
+    <p:tnLst>
+      <p:par>
+        <p:cTn id="1" dur="indefinite" restart="never" nodeType="tmRoot"/>
+      </p:par>
+    </p:tnLst>
+  </p:timing>
 </p:sld>
 </file>
 
@@ -4464,6 +4732,13 @@
   <p:clrMapOvr>
     <a:masterClrMapping/>
   </p:clrMapOvr>
+  <p:timing>
+    <p:tnLst>
+      <p:par>
+        <p:cTn id="1" dur="indefinite" restart="never" nodeType="tmRoot"/>
+      </p:par>
+    </p:tnLst>
+  </p:timing>
 </p:sld>
 </file>
 
@@ -4520,6 +4795,13 @@
   <p:clrMapOvr>
     <a:masterClrMapping/>
   </p:clrMapOvr>
+  <p:timing>
+    <p:tnLst>
+      <p:par>
+        <p:cTn id="1" dur="indefinite" restart="never" nodeType="tmRoot"/>
+      </p:par>
+    </p:tnLst>
+  </p:timing>
 </p:sld>
 </file>
 
@@ -4555,7 +4837,11 @@
           <a:bodyPr/>
           <a:lstStyle/>
           <a:p>
-            <a:endParaRPr kumimoji="1" lang="ja-JP" altLang="en-US"/>
+            <a:r>
+              <a:rPr kumimoji="1" lang="ja-JP" altLang="en-US" dirty="0" smtClean="0"/>
+              <a:t>ライブラリの登録作業</a:t>
+            </a:r>
+            <a:endParaRPr kumimoji="1" lang="ja-JP" altLang="en-US" dirty="0"/>
           </a:p>
         </p:txBody>
       </p:sp>
@@ -4635,6 +4921,13 @@
   <p:clrMapOvr>
     <a:masterClrMapping/>
   </p:clrMapOvr>
+  <p:timing>
+    <p:tnLst>
+      <p:par>
+        <p:cTn id="1" dur="indefinite" restart="never" nodeType="tmRoot"/>
+      </p:par>
+    </p:tnLst>
+  </p:timing>
 </p:sld>
 </file>
 
